--- a/ppt 16-9/1196.恭逢婚礼.pptx
+++ b/ppt 16-9/1196.恭逢婚礼.pptx
@@ -129,7 +129,7 @@
           <p:cNvPr id="2" name="标题 1">
             <a:extLst>
               <a:ext uri="{FF2B5EF4-FFF2-40B4-BE49-F238E27FC236}">
-                <a16:creationId xmlns:a16="http://schemas.microsoft.com/office/drawing/2014/main" id="{67EBC8F9-E856-D4B1-D876-9FB71A9376DF}"/>
+                <a16:creationId xmlns:a16="http://schemas.microsoft.com/office/drawing/2014/main" id="{66FEDA94-54C5-4B5C-1D2C-BE0D7E3797B1}"/>
               </a:ext>
             </a:extLst>
           </p:cNvPr>
@@ -166,7 +166,7 @@
           <p:cNvPr id="3" name="副标题 2">
             <a:extLst>
               <a:ext uri="{FF2B5EF4-FFF2-40B4-BE49-F238E27FC236}">
-                <a16:creationId xmlns:a16="http://schemas.microsoft.com/office/drawing/2014/main" id="{72A34BDF-46AE-4A7B-4AC7-83C3EF5DBB14}"/>
+                <a16:creationId xmlns:a16="http://schemas.microsoft.com/office/drawing/2014/main" id="{298ACE00-4315-661C-4B08-3D4A2FF8F7F5}"/>
               </a:ext>
             </a:extLst>
           </p:cNvPr>
@@ -236,7 +236,7 @@
           <p:cNvPr id="4" name="日期占位符 3">
             <a:extLst>
               <a:ext uri="{FF2B5EF4-FFF2-40B4-BE49-F238E27FC236}">
-                <a16:creationId xmlns:a16="http://schemas.microsoft.com/office/drawing/2014/main" id="{9309883F-712A-C4E4-1B9D-9A59C5323B65}"/>
+                <a16:creationId xmlns:a16="http://schemas.microsoft.com/office/drawing/2014/main" id="{C92A7E4A-7EF5-934E-8728-4FEA2E5553F6}"/>
               </a:ext>
             </a:extLst>
           </p:cNvPr>
@@ -252,7 +252,7 @@
           <a:bodyPr/>
           <a:lstStyle/>
           <a:p>
-            <a:fld id="{843D7A00-430C-47E8-BA67-F103A08470DF}" type="datetimeFigureOut">
+            <a:fld id="{4307805C-0BB4-424E-AB6D-D74637F45CD8}" type="datetimeFigureOut">
               <a:rPr lang="zh-CN" altLang="en-US" smtClean="0"/>
               <a:t>2024/3/10</a:t>
             </a:fld>
@@ -265,7 +265,7 @@
           <p:cNvPr id="5" name="页脚占位符 4">
             <a:extLst>
               <a:ext uri="{FF2B5EF4-FFF2-40B4-BE49-F238E27FC236}">
-                <a16:creationId xmlns:a16="http://schemas.microsoft.com/office/drawing/2014/main" id="{77658166-7E7C-1F9F-1055-E9F3D469B34D}"/>
+                <a16:creationId xmlns:a16="http://schemas.microsoft.com/office/drawing/2014/main" id="{DB888412-5A1F-D633-37D7-FCADE16CEDAD}"/>
               </a:ext>
             </a:extLst>
           </p:cNvPr>
@@ -290,7 +290,7 @@
           <p:cNvPr id="6" name="灯片编号占位符 5">
             <a:extLst>
               <a:ext uri="{FF2B5EF4-FFF2-40B4-BE49-F238E27FC236}">
-                <a16:creationId xmlns:a16="http://schemas.microsoft.com/office/drawing/2014/main" id="{526ECF72-23D3-D599-DF88-EDA5C72AC8E5}"/>
+                <a16:creationId xmlns:a16="http://schemas.microsoft.com/office/drawing/2014/main" id="{7406227A-361F-7C05-1B96-14A8E63B9D0A}"/>
               </a:ext>
             </a:extLst>
           </p:cNvPr>
@@ -306,7 +306,7 @@
           <a:bodyPr/>
           <a:lstStyle/>
           <a:p>
-            <a:fld id="{E8A2F6D6-C2D5-4571-8CFC-4C3E7BC1F16A}" type="slidenum">
+            <a:fld id="{5E45E407-5628-4204-B356-7BA0037B7E7A}" type="slidenum">
               <a:rPr lang="zh-CN" altLang="en-US" smtClean="0"/>
               <a:t>‹#›</a:t>
             </a:fld>
@@ -317,7 +317,7 @@
     </p:spTree>
     <p:extLst>
       <p:ext uri="{BB962C8B-B14F-4D97-AF65-F5344CB8AC3E}">
-        <p14:creationId xmlns:p14="http://schemas.microsoft.com/office/powerpoint/2010/main" val="44209182"/>
+        <p14:creationId xmlns:p14="http://schemas.microsoft.com/office/powerpoint/2010/main" val="3998361635"/>
       </p:ext>
     </p:extLst>
   </p:cSld>
@@ -349,7 +349,7 @@
           <p:cNvPr id="2" name="标题 1">
             <a:extLst>
               <a:ext uri="{FF2B5EF4-FFF2-40B4-BE49-F238E27FC236}">
-                <a16:creationId xmlns:a16="http://schemas.microsoft.com/office/drawing/2014/main" id="{F9911D8E-3616-63EA-382A-FB3E64A8CF95}"/>
+                <a16:creationId xmlns:a16="http://schemas.microsoft.com/office/drawing/2014/main" id="{C2F00F98-BAE6-8F45-E8A4-D8D83FFACE04}"/>
               </a:ext>
             </a:extLst>
           </p:cNvPr>
@@ -377,7 +377,7 @@
           <p:cNvPr id="3" name="竖排文字占位符 2">
             <a:extLst>
               <a:ext uri="{FF2B5EF4-FFF2-40B4-BE49-F238E27FC236}">
-                <a16:creationId xmlns:a16="http://schemas.microsoft.com/office/drawing/2014/main" id="{50CD8F93-DE81-98AE-001F-DF51CACDCD20}"/>
+                <a16:creationId xmlns:a16="http://schemas.microsoft.com/office/drawing/2014/main" id="{94B49FB3-D485-2721-CF7B-756F7BC29F69}"/>
               </a:ext>
             </a:extLst>
           </p:cNvPr>
@@ -434,7 +434,7 @@
           <p:cNvPr id="4" name="日期占位符 3">
             <a:extLst>
               <a:ext uri="{FF2B5EF4-FFF2-40B4-BE49-F238E27FC236}">
-                <a16:creationId xmlns:a16="http://schemas.microsoft.com/office/drawing/2014/main" id="{AEFDF31C-AF0E-4C5F-5216-F4D537EE34DD}"/>
+                <a16:creationId xmlns:a16="http://schemas.microsoft.com/office/drawing/2014/main" id="{CBE6ED18-C9B2-C444-08F8-7E93FBD19BA7}"/>
               </a:ext>
             </a:extLst>
           </p:cNvPr>
@@ -450,7 +450,7 @@
           <a:bodyPr/>
           <a:lstStyle/>
           <a:p>
-            <a:fld id="{843D7A00-430C-47E8-BA67-F103A08470DF}" type="datetimeFigureOut">
+            <a:fld id="{4307805C-0BB4-424E-AB6D-D74637F45CD8}" type="datetimeFigureOut">
               <a:rPr lang="zh-CN" altLang="en-US" smtClean="0"/>
               <a:t>2024/3/10</a:t>
             </a:fld>
@@ -463,7 +463,7 @@
           <p:cNvPr id="5" name="页脚占位符 4">
             <a:extLst>
               <a:ext uri="{FF2B5EF4-FFF2-40B4-BE49-F238E27FC236}">
-                <a16:creationId xmlns:a16="http://schemas.microsoft.com/office/drawing/2014/main" id="{6BA77403-DF9F-C9A2-11BC-E64E54616951}"/>
+                <a16:creationId xmlns:a16="http://schemas.microsoft.com/office/drawing/2014/main" id="{54101CE0-75CA-1AA2-EFEB-9BFD769482E9}"/>
               </a:ext>
             </a:extLst>
           </p:cNvPr>
@@ -488,7 +488,7 @@
           <p:cNvPr id="6" name="灯片编号占位符 5">
             <a:extLst>
               <a:ext uri="{FF2B5EF4-FFF2-40B4-BE49-F238E27FC236}">
-                <a16:creationId xmlns:a16="http://schemas.microsoft.com/office/drawing/2014/main" id="{634D9F14-3B13-7220-25A8-95E6D161F553}"/>
+                <a16:creationId xmlns:a16="http://schemas.microsoft.com/office/drawing/2014/main" id="{00D88021-8DCF-0F90-ED0D-77A4D5079B21}"/>
               </a:ext>
             </a:extLst>
           </p:cNvPr>
@@ -504,7 +504,7 @@
           <a:bodyPr/>
           <a:lstStyle/>
           <a:p>
-            <a:fld id="{E8A2F6D6-C2D5-4571-8CFC-4C3E7BC1F16A}" type="slidenum">
+            <a:fld id="{5E45E407-5628-4204-B356-7BA0037B7E7A}" type="slidenum">
               <a:rPr lang="zh-CN" altLang="en-US" smtClean="0"/>
               <a:t>‹#›</a:t>
             </a:fld>
@@ -515,7 +515,7 @@
     </p:spTree>
     <p:extLst>
       <p:ext uri="{BB962C8B-B14F-4D97-AF65-F5344CB8AC3E}">
-        <p14:creationId xmlns:p14="http://schemas.microsoft.com/office/powerpoint/2010/main" val="2179671790"/>
+        <p14:creationId xmlns:p14="http://schemas.microsoft.com/office/powerpoint/2010/main" val="609157280"/>
       </p:ext>
     </p:extLst>
   </p:cSld>
@@ -547,7 +547,7 @@
           <p:cNvPr id="2" name="竖排标题 1">
             <a:extLst>
               <a:ext uri="{FF2B5EF4-FFF2-40B4-BE49-F238E27FC236}">
-                <a16:creationId xmlns:a16="http://schemas.microsoft.com/office/drawing/2014/main" id="{C0A2D33D-A903-A231-916F-2E5598C8BECF}"/>
+                <a16:creationId xmlns:a16="http://schemas.microsoft.com/office/drawing/2014/main" id="{CEC37992-DCF1-F106-CD70-56DAB82DB3B1}"/>
               </a:ext>
             </a:extLst>
           </p:cNvPr>
@@ -580,7 +580,7 @@
           <p:cNvPr id="3" name="竖排文字占位符 2">
             <a:extLst>
               <a:ext uri="{FF2B5EF4-FFF2-40B4-BE49-F238E27FC236}">
-                <a16:creationId xmlns:a16="http://schemas.microsoft.com/office/drawing/2014/main" id="{8A843708-30E5-CC8D-66A5-99F70620446A}"/>
+                <a16:creationId xmlns:a16="http://schemas.microsoft.com/office/drawing/2014/main" id="{1FED97E5-EE44-D5F8-D005-9EFD98701005}"/>
               </a:ext>
             </a:extLst>
           </p:cNvPr>
@@ -642,7 +642,7 @@
           <p:cNvPr id="4" name="日期占位符 3">
             <a:extLst>
               <a:ext uri="{FF2B5EF4-FFF2-40B4-BE49-F238E27FC236}">
-                <a16:creationId xmlns:a16="http://schemas.microsoft.com/office/drawing/2014/main" id="{254CFCB2-D126-50C2-FF5A-B3E26810E246}"/>
+                <a16:creationId xmlns:a16="http://schemas.microsoft.com/office/drawing/2014/main" id="{130F0F7D-2F89-3F30-EF2A-A48E4DF9B70A}"/>
               </a:ext>
             </a:extLst>
           </p:cNvPr>
@@ -658,7 +658,7 @@
           <a:bodyPr/>
           <a:lstStyle/>
           <a:p>
-            <a:fld id="{843D7A00-430C-47E8-BA67-F103A08470DF}" type="datetimeFigureOut">
+            <a:fld id="{4307805C-0BB4-424E-AB6D-D74637F45CD8}" type="datetimeFigureOut">
               <a:rPr lang="zh-CN" altLang="en-US" smtClean="0"/>
               <a:t>2024/3/10</a:t>
             </a:fld>
@@ -671,7 +671,7 @@
           <p:cNvPr id="5" name="页脚占位符 4">
             <a:extLst>
               <a:ext uri="{FF2B5EF4-FFF2-40B4-BE49-F238E27FC236}">
-                <a16:creationId xmlns:a16="http://schemas.microsoft.com/office/drawing/2014/main" id="{E496AD1D-6034-D58D-87E1-965A3D9BA74C}"/>
+                <a16:creationId xmlns:a16="http://schemas.microsoft.com/office/drawing/2014/main" id="{B51252A5-D702-8D94-30BB-0522886B9473}"/>
               </a:ext>
             </a:extLst>
           </p:cNvPr>
@@ -696,7 +696,7 @@
           <p:cNvPr id="6" name="灯片编号占位符 5">
             <a:extLst>
               <a:ext uri="{FF2B5EF4-FFF2-40B4-BE49-F238E27FC236}">
-                <a16:creationId xmlns:a16="http://schemas.microsoft.com/office/drawing/2014/main" id="{02F8364B-A0FE-843B-E47C-1F6F24176204}"/>
+                <a16:creationId xmlns:a16="http://schemas.microsoft.com/office/drawing/2014/main" id="{F3FE8485-39AA-58DB-CD02-B36C1CE2819E}"/>
               </a:ext>
             </a:extLst>
           </p:cNvPr>
@@ -712,7 +712,7 @@
           <a:bodyPr/>
           <a:lstStyle/>
           <a:p>
-            <a:fld id="{E8A2F6D6-C2D5-4571-8CFC-4C3E7BC1F16A}" type="slidenum">
+            <a:fld id="{5E45E407-5628-4204-B356-7BA0037B7E7A}" type="slidenum">
               <a:rPr lang="zh-CN" altLang="en-US" smtClean="0"/>
               <a:t>‹#›</a:t>
             </a:fld>
@@ -723,7 +723,7 @@
     </p:spTree>
     <p:extLst>
       <p:ext uri="{BB962C8B-B14F-4D97-AF65-F5344CB8AC3E}">
-        <p14:creationId xmlns:p14="http://schemas.microsoft.com/office/powerpoint/2010/main" val="1305025628"/>
+        <p14:creationId xmlns:p14="http://schemas.microsoft.com/office/powerpoint/2010/main" val="304044656"/>
       </p:ext>
     </p:extLst>
   </p:cSld>
@@ -755,7 +755,7 @@
           <p:cNvPr id="2" name="标题 1">
             <a:extLst>
               <a:ext uri="{FF2B5EF4-FFF2-40B4-BE49-F238E27FC236}">
-                <a16:creationId xmlns:a16="http://schemas.microsoft.com/office/drawing/2014/main" id="{10863854-BFA4-284E-BA44-4EF2FC0C8A69}"/>
+                <a16:creationId xmlns:a16="http://schemas.microsoft.com/office/drawing/2014/main" id="{75C2914D-D2D3-02FE-A7F8-92AF44FAFE3F}"/>
               </a:ext>
             </a:extLst>
           </p:cNvPr>
@@ -783,7 +783,7 @@
           <p:cNvPr id="3" name="内容占位符 2">
             <a:extLst>
               <a:ext uri="{FF2B5EF4-FFF2-40B4-BE49-F238E27FC236}">
-                <a16:creationId xmlns:a16="http://schemas.microsoft.com/office/drawing/2014/main" id="{DE1264F2-7DF6-B491-B0B4-9CD5248F2B50}"/>
+                <a16:creationId xmlns:a16="http://schemas.microsoft.com/office/drawing/2014/main" id="{D8B477C0-3B77-8B78-7D1D-CB5B6D3D51D0}"/>
               </a:ext>
             </a:extLst>
           </p:cNvPr>
@@ -840,7 +840,7 @@
           <p:cNvPr id="4" name="日期占位符 3">
             <a:extLst>
               <a:ext uri="{FF2B5EF4-FFF2-40B4-BE49-F238E27FC236}">
-                <a16:creationId xmlns:a16="http://schemas.microsoft.com/office/drawing/2014/main" id="{E40F0FEA-8FD5-3055-D244-3FC63C2C8661}"/>
+                <a16:creationId xmlns:a16="http://schemas.microsoft.com/office/drawing/2014/main" id="{F89B59F7-5447-666D-1225-94339B4A17A7}"/>
               </a:ext>
             </a:extLst>
           </p:cNvPr>
@@ -856,7 +856,7 @@
           <a:bodyPr/>
           <a:lstStyle/>
           <a:p>
-            <a:fld id="{843D7A00-430C-47E8-BA67-F103A08470DF}" type="datetimeFigureOut">
+            <a:fld id="{4307805C-0BB4-424E-AB6D-D74637F45CD8}" type="datetimeFigureOut">
               <a:rPr lang="zh-CN" altLang="en-US" smtClean="0"/>
               <a:t>2024/3/10</a:t>
             </a:fld>
@@ -869,7 +869,7 @@
           <p:cNvPr id="5" name="页脚占位符 4">
             <a:extLst>
               <a:ext uri="{FF2B5EF4-FFF2-40B4-BE49-F238E27FC236}">
-                <a16:creationId xmlns:a16="http://schemas.microsoft.com/office/drawing/2014/main" id="{457D4757-4098-8E63-0355-EBF207595A25}"/>
+                <a16:creationId xmlns:a16="http://schemas.microsoft.com/office/drawing/2014/main" id="{B9BD4FED-C79E-8A55-C2F4-776B6ADA1D01}"/>
               </a:ext>
             </a:extLst>
           </p:cNvPr>
@@ -894,7 +894,7 @@
           <p:cNvPr id="6" name="灯片编号占位符 5">
             <a:extLst>
               <a:ext uri="{FF2B5EF4-FFF2-40B4-BE49-F238E27FC236}">
-                <a16:creationId xmlns:a16="http://schemas.microsoft.com/office/drawing/2014/main" id="{12CD13C3-E722-1AE8-14AD-8E754DEEAB21}"/>
+                <a16:creationId xmlns:a16="http://schemas.microsoft.com/office/drawing/2014/main" id="{766BB1D3-A826-0B6C-927B-DD1EA79EDAC4}"/>
               </a:ext>
             </a:extLst>
           </p:cNvPr>
@@ -910,7 +910,7 @@
           <a:bodyPr/>
           <a:lstStyle/>
           <a:p>
-            <a:fld id="{E8A2F6D6-C2D5-4571-8CFC-4C3E7BC1F16A}" type="slidenum">
+            <a:fld id="{5E45E407-5628-4204-B356-7BA0037B7E7A}" type="slidenum">
               <a:rPr lang="zh-CN" altLang="en-US" smtClean="0"/>
               <a:t>‹#›</a:t>
             </a:fld>
@@ -921,7 +921,7 @@
     </p:spTree>
     <p:extLst>
       <p:ext uri="{BB962C8B-B14F-4D97-AF65-F5344CB8AC3E}">
-        <p14:creationId xmlns:p14="http://schemas.microsoft.com/office/powerpoint/2010/main" val="2293513184"/>
+        <p14:creationId xmlns:p14="http://schemas.microsoft.com/office/powerpoint/2010/main" val="2831452719"/>
       </p:ext>
     </p:extLst>
   </p:cSld>
@@ -953,7 +953,7 @@
           <p:cNvPr id="2" name="标题 1">
             <a:extLst>
               <a:ext uri="{FF2B5EF4-FFF2-40B4-BE49-F238E27FC236}">
-                <a16:creationId xmlns:a16="http://schemas.microsoft.com/office/drawing/2014/main" id="{BDF150F3-9782-1508-2689-B04C488A31DD}"/>
+                <a16:creationId xmlns:a16="http://schemas.microsoft.com/office/drawing/2014/main" id="{23116B0B-B35D-CD0E-F347-06CB9712BFBB}"/>
               </a:ext>
             </a:extLst>
           </p:cNvPr>
@@ -990,7 +990,7 @@
           <p:cNvPr id="3" name="文本占位符 2">
             <a:extLst>
               <a:ext uri="{FF2B5EF4-FFF2-40B4-BE49-F238E27FC236}">
-                <a16:creationId xmlns:a16="http://schemas.microsoft.com/office/drawing/2014/main" id="{2DDD1C9E-A661-C942-D436-62DACC03D75F}"/>
+                <a16:creationId xmlns:a16="http://schemas.microsoft.com/office/drawing/2014/main" id="{140A14F7-4988-8783-9674-22B74EA47AE2}"/>
               </a:ext>
             </a:extLst>
           </p:cNvPr>
@@ -1115,7 +1115,7 @@
           <p:cNvPr id="4" name="日期占位符 3">
             <a:extLst>
               <a:ext uri="{FF2B5EF4-FFF2-40B4-BE49-F238E27FC236}">
-                <a16:creationId xmlns:a16="http://schemas.microsoft.com/office/drawing/2014/main" id="{C9DFB8E2-1244-1261-A5F1-F272600D4441}"/>
+                <a16:creationId xmlns:a16="http://schemas.microsoft.com/office/drawing/2014/main" id="{54EADE14-A672-3AD6-5C35-263A2E635362}"/>
               </a:ext>
             </a:extLst>
           </p:cNvPr>
@@ -1131,7 +1131,7 @@
           <a:bodyPr/>
           <a:lstStyle/>
           <a:p>
-            <a:fld id="{843D7A00-430C-47E8-BA67-F103A08470DF}" type="datetimeFigureOut">
+            <a:fld id="{4307805C-0BB4-424E-AB6D-D74637F45CD8}" type="datetimeFigureOut">
               <a:rPr lang="zh-CN" altLang="en-US" smtClean="0"/>
               <a:t>2024/3/10</a:t>
             </a:fld>
@@ -1144,7 +1144,7 @@
           <p:cNvPr id="5" name="页脚占位符 4">
             <a:extLst>
               <a:ext uri="{FF2B5EF4-FFF2-40B4-BE49-F238E27FC236}">
-                <a16:creationId xmlns:a16="http://schemas.microsoft.com/office/drawing/2014/main" id="{D82DED36-EAD2-5542-0EC6-9CF65BA654C1}"/>
+                <a16:creationId xmlns:a16="http://schemas.microsoft.com/office/drawing/2014/main" id="{E9A3959B-FFAB-2030-647D-6CDD25B44312}"/>
               </a:ext>
             </a:extLst>
           </p:cNvPr>
@@ -1169,7 +1169,7 @@
           <p:cNvPr id="6" name="灯片编号占位符 5">
             <a:extLst>
               <a:ext uri="{FF2B5EF4-FFF2-40B4-BE49-F238E27FC236}">
-                <a16:creationId xmlns:a16="http://schemas.microsoft.com/office/drawing/2014/main" id="{35C751A7-4685-D1E3-3AD3-6D1694673427}"/>
+                <a16:creationId xmlns:a16="http://schemas.microsoft.com/office/drawing/2014/main" id="{BE25A030-EAEC-B6D1-EE7E-800B8E23F68F}"/>
               </a:ext>
             </a:extLst>
           </p:cNvPr>
@@ -1185,7 +1185,7 @@
           <a:bodyPr/>
           <a:lstStyle/>
           <a:p>
-            <a:fld id="{E8A2F6D6-C2D5-4571-8CFC-4C3E7BC1F16A}" type="slidenum">
+            <a:fld id="{5E45E407-5628-4204-B356-7BA0037B7E7A}" type="slidenum">
               <a:rPr lang="zh-CN" altLang="en-US" smtClean="0"/>
               <a:t>‹#›</a:t>
             </a:fld>
@@ -1196,7 +1196,7 @@
     </p:spTree>
     <p:extLst>
       <p:ext uri="{BB962C8B-B14F-4D97-AF65-F5344CB8AC3E}">
-        <p14:creationId xmlns:p14="http://schemas.microsoft.com/office/powerpoint/2010/main" val="3117774294"/>
+        <p14:creationId xmlns:p14="http://schemas.microsoft.com/office/powerpoint/2010/main" val="1133793061"/>
       </p:ext>
     </p:extLst>
   </p:cSld>
@@ -1228,7 +1228,7 @@
           <p:cNvPr id="2" name="标题 1">
             <a:extLst>
               <a:ext uri="{FF2B5EF4-FFF2-40B4-BE49-F238E27FC236}">
-                <a16:creationId xmlns:a16="http://schemas.microsoft.com/office/drawing/2014/main" id="{BB05F0F5-C2F9-EEBB-7B68-5A642D44EC19}"/>
+                <a16:creationId xmlns:a16="http://schemas.microsoft.com/office/drawing/2014/main" id="{FB693BCA-2098-387C-AB21-F3774D5CCC84}"/>
               </a:ext>
             </a:extLst>
           </p:cNvPr>
@@ -1256,7 +1256,7 @@
           <p:cNvPr id="3" name="内容占位符 2">
             <a:extLst>
               <a:ext uri="{FF2B5EF4-FFF2-40B4-BE49-F238E27FC236}">
-                <a16:creationId xmlns:a16="http://schemas.microsoft.com/office/drawing/2014/main" id="{0EB9686C-82BA-4E48-4CD4-E3E9BD8D6187}"/>
+                <a16:creationId xmlns:a16="http://schemas.microsoft.com/office/drawing/2014/main" id="{D1C88CBB-4C2C-B5B0-591C-9BB3ABC54888}"/>
               </a:ext>
             </a:extLst>
           </p:cNvPr>
@@ -1318,7 +1318,7 @@
           <p:cNvPr id="4" name="内容占位符 3">
             <a:extLst>
               <a:ext uri="{FF2B5EF4-FFF2-40B4-BE49-F238E27FC236}">
-                <a16:creationId xmlns:a16="http://schemas.microsoft.com/office/drawing/2014/main" id="{C6598B39-8E31-513A-36FD-8920AF77D409}"/>
+                <a16:creationId xmlns:a16="http://schemas.microsoft.com/office/drawing/2014/main" id="{4DFC6C8D-55A4-4FFA-08DB-1BE6A2640022}"/>
               </a:ext>
             </a:extLst>
           </p:cNvPr>
@@ -1380,7 +1380,7 @@
           <p:cNvPr id="5" name="日期占位符 4">
             <a:extLst>
               <a:ext uri="{FF2B5EF4-FFF2-40B4-BE49-F238E27FC236}">
-                <a16:creationId xmlns:a16="http://schemas.microsoft.com/office/drawing/2014/main" id="{E4F6AEB1-873C-C690-5BA1-DB920458CF5B}"/>
+                <a16:creationId xmlns:a16="http://schemas.microsoft.com/office/drawing/2014/main" id="{FDC61E7E-352B-B5D0-692A-2CC6CCE75329}"/>
               </a:ext>
             </a:extLst>
           </p:cNvPr>
@@ -1396,7 +1396,7 @@
           <a:bodyPr/>
           <a:lstStyle/>
           <a:p>
-            <a:fld id="{843D7A00-430C-47E8-BA67-F103A08470DF}" type="datetimeFigureOut">
+            <a:fld id="{4307805C-0BB4-424E-AB6D-D74637F45CD8}" type="datetimeFigureOut">
               <a:rPr lang="zh-CN" altLang="en-US" smtClean="0"/>
               <a:t>2024/3/10</a:t>
             </a:fld>
@@ -1409,7 +1409,7 @@
           <p:cNvPr id="6" name="页脚占位符 5">
             <a:extLst>
               <a:ext uri="{FF2B5EF4-FFF2-40B4-BE49-F238E27FC236}">
-                <a16:creationId xmlns:a16="http://schemas.microsoft.com/office/drawing/2014/main" id="{C1E1BC09-D2C1-0372-849E-255A61C157CF}"/>
+                <a16:creationId xmlns:a16="http://schemas.microsoft.com/office/drawing/2014/main" id="{CF26E4E9-8F52-5B14-F89A-EFADDAE86F07}"/>
               </a:ext>
             </a:extLst>
           </p:cNvPr>
@@ -1434,7 +1434,7 @@
           <p:cNvPr id="7" name="灯片编号占位符 6">
             <a:extLst>
               <a:ext uri="{FF2B5EF4-FFF2-40B4-BE49-F238E27FC236}">
-                <a16:creationId xmlns:a16="http://schemas.microsoft.com/office/drawing/2014/main" id="{CA213CD7-4FE4-BD5E-9709-D30C8605D57E}"/>
+                <a16:creationId xmlns:a16="http://schemas.microsoft.com/office/drawing/2014/main" id="{64631060-9543-044B-3E3D-572EF27902E6}"/>
               </a:ext>
             </a:extLst>
           </p:cNvPr>
@@ -1450,7 +1450,7 @@
           <a:bodyPr/>
           <a:lstStyle/>
           <a:p>
-            <a:fld id="{E8A2F6D6-C2D5-4571-8CFC-4C3E7BC1F16A}" type="slidenum">
+            <a:fld id="{5E45E407-5628-4204-B356-7BA0037B7E7A}" type="slidenum">
               <a:rPr lang="zh-CN" altLang="en-US" smtClean="0"/>
               <a:t>‹#›</a:t>
             </a:fld>
@@ -1461,7 +1461,7 @@
     </p:spTree>
     <p:extLst>
       <p:ext uri="{BB962C8B-B14F-4D97-AF65-F5344CB8AC3E}">
-        <p14:creationId xmlns:p14="http://schemas.microsoft.com/office/powerpoint/2010/main" val="2172969379"/>
+        <p14:creationId xmlns:p14="http://schemas.microsoft.com/office/powerpoint/2010/main" val="3782980502"/>
       </p:ext>
     </p:extLst>
   </p:cSld>
@@ -1493,7 +1493,7 @@
           <p:cNvPr id="2" name="标题 1">
             <a:extLst>
               <a:ext uri="{FF2B5EF4-FFF2-40B4-BE49-F238E27FC236}">
-                <a16:creationId xmlns:a16="http://schemas.microsoft.com/office/drawing/2014/main" id="{B5432B6F-6442-ECE0-41DD-5F5367A38AF3}"/>
+                <a16:creationId xmlns:a16="http://schemas.microsoft.com/office/drawing/2014/main" id="{5B890E6B-8DA1-2D1F-61B7-1C01D56B75DB}"/>
               </a:ext>
             </a:extLst>
           </p:cNvPr>
@@ -1526,7 +1526,7 @@
           <p:cNvPr id="3" name="文本占位符 2">
             <a:extLst>
               <a:ext uri="{FF2B5EF4-FFF2-40B4-BE49-F238E27FC236}">
-                <a16:creationId xmlns:a16="http://schemas.microsoft.com/office/drawing/2014/main" id="{02B2D310-58EC-9806-F78D-F90A4EB1E58A}"/>
+                <a16:creationId xmlns:a16="http://schemas.microsoft.com/office/drawing/2014/main" id="{F582B05A-1BB5-0FC1-C967-DE703E1EA413}"/>
               </a:ext>
             </a:extLst>
           </p:cNvPr>
@@ -1597,7 +1597,7 @@
           <p:cNvPr id="4" name="内容占位符 3">
             <a:extLst>
               <a:ext uri="{FF2B5EF4-FFF2-40B4-BE49-F238E27FC236}">
-                <a16:creationId xmlns:a16="http://schemas.microsoft.com/office/drawing/2014/main" id="{AAE7E3C9-3900-C7FA-044F-3EA0F282F1DB}"/>
+                <a16:creationId xmlns:a16="http://schemas.microsoft.com/office/drawing/2014/main" id="{B83A6052-0A61-86FA-945F-A0DBE7F02D1E}"/>
               </a:ext>
             </a:extLst>
           </p:cNvPr>
@@ -1659,7 +1659,7 @@
           <p:cNvPr id="5" name="文本占位符 4">
             <a:extLst>
               <a:ext uri="{FF2B5EF4-FFF2-40B4-BE49-F238E27FC236}">
-                <a16:creationId xmlns:a16="http://schemas.microsoft.com/office/drawing/2014/main" id="{ABD02749-7895-8A13-41FE-74AEB17DF8A0}"/>
+                <a16:creationId xmlns:a16="http://schemas.microsoft.com/office/drawing/2014/main" id="{5B53EFEC-A238-1810-C9B5-7804E9F3C6FA}"/>
               </a:ext>
             </a:extLst>
           </p:cNvPr>
@@ -1730,7 +1730,7 @@
           <p:cNvPr id="6" name="内容占位符 5">
             <a:extLst>
               <a:ext uri="{FF2B5EF4-FFF2-40B4-BE49-F238E27FC236}">
-                <a16:creationId xmlns:a16="http://schemas.microsoft.com/office/drawing/2014/main" id="{84B00843-F331-FCA1-9274-05BBB5C8C438}"/>
+                <a16:creationId xmlns:a16="http://schemas.microsoft.com/office/drawing/2014/main" id="{3BB6DCCA-38C9-83F7-34DF-EF0059FFADAF}"/>
               </a:ext>
             </a:extLst>
           </p:cNvPr>
@@ -1792,7 +1792,7 @@
           <p:cNvPr id="7" name="日期占位符 6">
             <a:extLst>
               <a:ext uri="{FF2B5EF4-FFF2-40B4-BE49-F238E27FC236}">
-                <a16:creationId xmlns:a16="http://schemas.microsoft.com/office/drawing/2014/main" id="{20D07002-A71C-30DF-E59E-5D5F9076BC0A}"/>
+                <a16:creationId xmlns:a16="http://schemas.microsoft.com/office/drawing/2014/main" id="{D7BCA365-03E4-F30D-7D85-32B30829F7B8}"/>
               </a:ext>
             </a:extLst>
           </p:cNvPr>
@@ -1808,7 +1808,7 @@
           <a:bodyPr/>
           <a:lstStyle/>
           <a:p>
-            <a:fld id="{843D7A00-430C-47E8-BA67-F103A08470DF}" type="datetimeFigureOut">
+            <a:fld id="{4307805C-0BB4-424E-AB6D-D74637F45CD8}" type="datetimeFigureOut">
               <a:rPr lang="zh-CN" altLang="en-US" smtClean="0"/>
               <a:t>2024/3/10</a:t>
             </a:fld>
@@ -1821,7 +1821,7 @@
           <p:cNvPr id="8" name="页脚占位符 7">
             <a:extLst>
               <a:ext uri="{FF2B5EF4-FFF2-40B4-BE49-F238E27FC236}">
-                <a16:creationId xmlns:a16="http://schemas.microsoft.com/office/drawing/2014/main" id="{CF48B217-2014-ADE8-085E-35CFC67761F1}"/>
+                <a16:creationId xmlns:a16="http://schemas.microsoft.com/office/drawing/2014/main" id="{744856BB-0C34-F827-04EA-DF1323EF492C}"/>
               </a:ext>
             </a:extLst>
           </p:cNvPr>
@@ -1846,7 +1846,7 @@
           <p:cNvPr id="9" name="灯片编号占位符 8">
             <a:extLst>
               <a:ext uri="{FF2B5EF4-FFF2-40B4-BE49-F238E27FC236}">
-                <a16:creationId xmlns:a16="http://schemas.microsoft.com/office/drawing/2014/main" id="{99F72D7C-7500-2434-BBCA-D50B2BFDA5D8}"/>
+                <a16:creationId xmlns:a16="http://schemas.microsoft.com/office/drawing/2014/main" id="{8F6640BF-D4A2-8EE5-1EFF-D7C13E4A0B70}"/>
               </a:ext>
             </a:extLst>
           </p:cNvPr>
@@ -1862,7 +1862,7 @@
           <a:bodyPr/>
           <a:lstStyle/>
           <a:p>
-            <a:fld id="{E8A2F6D6-C2D5-4571-8CFC-4C3E7BC1F16A}" type="slidenum">
+            <a:fld id="{5E45E407-5628-4204-B356-7BA0037B7E7A}" type="slidenum">
               <a:rPr lang="zh-CN" altLang="en-US" smtClean="0"/>
               <a:t>‹#›</a:t>
             </a:fld>
@@ -1873,7 +1873,7 @@
     </p:spTree>
     <p:extLst>
       <p:ext uri="{BB962C8B-B14F-4D97-AF65-F5344CB8AC3E}">
-        <p14:creationId xmlns:p14="http://schemas.microsoft.com/office/powerpoint/2010/main" val="3503907332"/>
+        <p14:creationId xmlns:p14="http://schemas.microsoft.com/office/powerpoint/2010/main" val="3757745031"/>
       </p:ext>
     </p:extLst>
   </p:cSld>
@@ -1905,7 +1905,7 @@
           <p:cNvPr id="2" name="标题 1">
             <a:extLst>
               <a:ext uri="{FF2B5EF4-FFF2-40B4-BE49-F238E27FC236}">
-                <a16:creationId xmlns:a16="http://schemas.microsoft.com/office/drawing/2014/main" id="{AC6FEE2D-0CCA-D7C4-D1BD-9F7DFF733859}"/>
+                <a16:creationId xmlns:a16="http://schemas.microsoft.com/office/drawing/2014/main" id="{2DA9B63C-302D-8ADE-1B0F-7E220671A901}"/>
               </a:ext>
             </a:extLst>
           </p:cNvPr>
@@ -1933,7 +1933,7 @@
           <p:cNvPr id="3" name="日期占位符 2">
             <a:extLst>
               <a:ext uri="{FF2B5EF4-FFF2-40B4-BE49-F238E27FC236}">
-                <a16:creationId xmlns:a16="http://schemas.microsoft.com/office/drawing/2014/main" id="{EF9E0673-A622-9142-F55F-582236DFF4FB}"/>
+                <a16:creationId xmlns:a16="http://schemas.microsoft.com/office/drawing/2014/main" id="{6B0467F3-EEB5-279B-978A-192C98AAB484}"/>
               </a:ext>
             </a:extLst>
           </p:cNvPr>
@@ -1949,7 +1949,7 @@
           <a:bodyPr/>
           <a:lstStyle/>
           <a:p>
-            <a:fld id="{843D7A00-430C-47E8-BA67-F103A08470DF}" type="datetimeFigureOut">
+            <a:fld id="{4307805C-0BB4-424E-AB6D-D74637F45CD8}" type="datetimeFigureOut">
               <a:rPr lang="zh-CN" altLang="en-US" smtClean="0"/>
               <a:t>2024/3/10</a:t>
             </a:fld>
@@ -1962,7 +1962,7 @@
           <p:cNvPr id="4" name="页脚占位符 3">
             <a:extLst>
               <a:ext uri="{FF2B5EF4-FFF2-40B4-BE49-F238E27FC236}">
-                <a16:creationId xmlns:a16="http://schemas.microsoft.com/office/drawing/2014/main" id="{1405D00D-4685-E150-9679-4964E0C982C7}"/>
+                <a16:creationId xmlns:a16="http://schemas.microsoft.com/office/drawing/2014/main" id="{0BB3EDA6-0073-E198-D68A-8852CB0699B0}"/>
               </a:ext>
             </a:extLst>
           </p:cNvPr>
@@ -1987,7 +1987,7 @@
           <p:cNvPr id="5" name="灯片编号占位符 4">
             <a:extLst>
               <a:ext uri="{FF2B5EF4-FFF2-40B4-BE49-F238E27FC236}">
-                <a16:creationId xmlns:a16="http://schemas.microsoft.com/office/drawing/2014/main" id="{A9EAAD0B-DCDE-2501-1B43-495900FBCDA5}"/>
+                <a16:creationId xmlns:a16="http://schemas.microsoft.com/office/drawing/2014/main" id="{D41DFFE7-A15B-D2D1-1EA3-D012C22B66AD}"/>
               </a:ext>
             </a:extLst>
           </p:cNvPr>
@@ -2003,7 +2003,7 @@
           <a:bodyPr/>
           <a:lstStyle/>
           <a:p>
-            <a:fld id="{E8A2F6D6-C2D5-4571-8CFC-4C3E7BC1F16A}" type="slidenum">
+            <a:fld id="{5E45E407-5628-4204-B356-7BA0037B7E7A}" type="slidenum">
               <a:rPr lang="zh-CN" altLang="en-US" smtClean="0"/>
               <a:t>‹#›</a:t>
             </a:fld>
@@ -2014,7 +2014,7 @@
     </p:spTree>
     <p:extLst>
       <p:ext uri="{BB962C8B-B14F-4D97-AF65-F5344CB8AC3E}">
-        <p14:creationId xmlns:p14="http://schemas.microsoft.com/office/powerpoint/2010/main" val="3838809142"/>
+        <p14:creationId xmlns:p14="http://schemas.microsoft.com/office/powerpoint/2010/main" val="3015230598"/>
       </p:ext>
     </p:extLst>
   </p:cSld>
@@ -2046,7 +2046,7 @@
           <p:cNvPr id="2" name="日期占位符 1">
             <a:extLst>
               <a:ext uri="{FF2B5EF4-FFF2-40B4-BE49-F238E27FC236}">
-                <a16:creationId xmlns:a16="http://schemas.microsoft.com/office/drawing/2014/main" id="{90307BF3-CD83-E4AB-94E7-6CAFB28FEF6B}"/>
+                <a16:creationId xmlns:a16="http://schemas.microsoft.com/office/drawing/2014/main" id="{B40496F0-E446-57F5-ABAE-FC914CF221B6}"/>
               </a:ext>
             </a:extLst>
           </p:cNvPr>
@@ -2062,7 +2062,7 @@
           <a:bodyPr/>
           <a:lstStyle/>
           <a:p>
-            <a:fld id="{843D7A00-430C-47E8-BA67-F103A08470DF}" type="datetimeFigureOut">
+            <a:fld id="{4307805C-0BB4-424E-AB6D-D74637F45CD8}" type="datetimeFigureOut">
               <a:rPr lang="zh-CN" altLang="en-US" smtClean="0"/>
               <a:t>2024/3/10</a:t>
             </a:fld>
@@ -2075,7 +2075,7 @@
           <p:cNvPr id="3" name="页脚占位符 2">
             <a:extLst>
               <a:ext uri="{FF2B5EF4-FFF2-40B4-BE49-F238E27FC236}">
-                <a16:creationId xmlns:a16="http://schemas.microsoft.com/office/drawing/2014/main" id="{A723087A-796F-7178-4E0F-E6D322619C1B}"/>
+                <a16:creationId xmlns:a16="http://schemas.microsoft.com/office/drawing/2014/main" id="{5EE13547-3B5C-82C5-F040-5995899B84E4}"/>
               </a:ext>
             </a:extLst>
           </p:cNvPr>
@@ -2100,7 +2100,7 @@
           <p:cNvPr id="4" name="灯片编号占位符 3">
             <a:extLst>
               <a:ext uri="{FF2B5EF4-FFF2-40B4-BE49-F238E27FC236}">
-                <a16:creationId xmlns:a16="http://schemas.microsoft.com/office/drawing/2014/main" id="{265DCD18-7249-F8C7-1E0A-CC57DEF0C184}"/>
+                <a16:creationId xmlns:a16="http://schemas.microsoft.com/office/drawing/2014/main" id="{E120CB9D-053C-D023-2550-2485B78FC357}"/>
               </a:ext>
             </a:extLst>
           </p:cNvPr>
@@ -2116,7 +2116,7 @@
           <a:bodyPr/>
           <a:lstStyle/>
           <a:p>
-            <a:fld id="{E8A2F6D6-C2D5-4571-8CFC-4C3E7BC1F16A}" type="slidenum">
+            <a:fld id="{5E45E407-5628-4204-B356-7BA0037B7E7A}" type="slidenum">
               <a:rPr lang="zh-CN" altLang="en-US" smtClean="0"/>
               <a:t>‹#›</a:t>
             </a:fld>
@@ -2127,7 +2127,7 @@
     </p:spTree>
     <p:extLst>
       <p:ext uri="{BB962C8B-B14F-4D97-AF65-F5344CB8AC3E}">
-        <p14:creationId xmlns:p14="http://schemas.microsoft.com/office/powerpoint/2010/main" val="3200175592"/>
+        <p14:creationId xmlns:p14="http://schemas.microsoft.com/office/powerpoint/2010/main" val="3686399228"/>
       </p:ext>
     </p:extLst>
   </p:cSld>
@@ -2159,7 +2159,7 @@
           <p:cNvPr id="2" name="标题 1">
             <a:extLst>
               <a:ext uri="{FF2B5EF4-FFF2-40B4-BE49-F238E27FC236}">
-                <a16:creationId xmlns:a16="http://schemas.microsoft.com/office/drawing/2014/main" id="{2E3D6334-5B59-E7A2-B8CB-C87711E19513}"/>
+                <a16:creationId xmlns:a16="http://schemas.microsoft.com/office/drawing/2014/main" id="{C20D35DD-BB38-699C-DB3E-6F324141C1B9}"/>
               </a:ext>
             </a:extLst>
           </p:cNvPr>
@@ -2196,7 +2196,7 @@
           <p:cNvPr id="3" name="内容占位符 2">
             <a:extLst>
               <a:ext uri="{FF2B5EF4-FFF2-40B4-BE49-F238E27FC236}">
-                <a16:creationId xmlns:a16="http://schemas.microsoft.com/office/drawing/2014/main" id="{EFBF049F-C8F5-AA76-0651-7BC8979E20B7}"/>
+                <a16:creationId xmlns:a16="http://schemas.microsoft.com/office/drawing/2014/main" id="{4F36C550-0574-E7DF-B7F9-7952FCF9AAB9}"/>
               </a:ext>
             </a:extLst>
           </p:cNvPr>
@@ -2286,7 +2286,7 @@
           <p:cNvPr id="4" name="文本占位符 3">
             <a:extLst>
               <a:ext uri="{FF2B5EF4-FFF2-40B4-BE49-F238E27FC236}">
-                <a16:creationId xmlns:a16="http://schemas.microsoft.com/office/drawing/2014/main" id="{90A6D38C-5B11-31E4-AED5-8B903B1FD450}"/>
+                <a16:creationId xmlns:a16="http://schemas.microsoft.com/office/drawing/2014/main" id="{32E78C87-3A8C-E180-AD13-93E84C5E0A52}"/>
               </a:ext>
             </a:extLst>
           </p:cNvPr>
@@ -2357,7 +2357,7 @@
           <p:cNvPr id="5" name="日期占位符 4">
             <a:extLst>
               <a:ext uri="{FF2B5EF4-FFF2-40B4-BE49-F238E27FC236}">
-                <a16:creationId xmlns:a16="http://schemas.microsoft.com/office/drawing/2014/main" id="{315DBF12-D47D-8978-6C95-41F12A99DEC8}"/>
+                <a16:creationId xmlns:a16="http://schemas.microsoft.com/office/drawing/2014/main" id="{D9600BE9-7D37-961B-2C98-1328436FF1A2}"/>
               </a:ext>
             </a:extLst>
           </p:cNvPr>
@@ -2373,7 +2373,7 @@
           <a:bodyPr/>
           <a:lstStyle/>
           <a:p>
-            <a:fld id="{843D7A00-430C-47E8-BA67-F103A08470DF}" type="datetimeFigureOut">
+            <a:fld id="{4307805C-0BB4-424E-AB6D-D74637F45CD8}" type="datetimeFigureOut">
               <a:rPr lang="zh-CN" altLang="en-US" smtClean="0"/>
               <a:t>2024/3/10</a:t>
             </a:fld>
@@ -2386,7 +2386,7 @@
           <p:cNvPr id="6" name="页脚占位符 5">
             <a:extLst>
               <a:ext uri="{FF2B5EF4-FFF2-40B4-BE49-F238E27FC236}">
-                <a16:creationId xmlns:a16="http://schemas.microsoft.com/office/drawing/2014/main" id="{1A583051-2E89-8F2B-97B9-B104713EC9EE}"/>
+                <a16:creationId xmlns:a16="http://schemas.microsoft.com/office/drawing/2014/main" id="{220B88A0-0259-8976-36E3-F227830868E0}"/>
               </a:ext>
             </a:extLst>
           </p:cNvPr>
@@ -2411,7 +2411,7 @@
           <p:cNvPr id="7" name="灯片编号占位符 6">
             <a:extLst>
               <a:ext uri="{FF2B5EF4-FFF2-40B4-BE49-F238E27FC236}">
-                <a16:creationId xmlns:a16="http://schemas.microsoft.com/office/drawing/2014/main" id="{8656676C-4A97-586E-2ACD-D9CFA44A76BB}"/>
+                <a16:creationId xmlns:a16="http://schemas.microsoft.com/office/drawing/2014/main" id="{1A74A4CC-E956-AFED-EAA6-389B4008AB80}"/>
               </a:ext>
             </a:extLst>
           </p:cNvPr>
@@ -2427,7 +2427,7 @@
           <a:bodyPr/>
           <a:lstStyle/>
           <a:p>
-            <a:fld id="{E8A2F6D6-C2D5-4571-8CFC-4C3E7BC1F16A}" type="slidenum">
+            <a:fld id="{5E45E407-5628-4204-B356-7BA0037B7E7A}" type="slidenum">
               <a:rPr lang="zh-CN" altLang="en-US" smtClean="0"/>
               <a:t>‹#›</a:t>
             </a:fld>
@@ -2438,7 +2438,7 @@
     </p:spTree>
     <p:extLst>
       <p:ext uri="{BB962C8B-B14F-4D97-AF65-F5344CB8AC3E}">
-        <p14:creationId xmlns:p14="http://schemas.microsoft.com/office/powerpoint/2010/main" val="3166155596"/>
+        <p14:creationId xmlns:p14="http://schemas.microsoft.com/office/powerpoint/2010/main" val="3267284515"/>
       </p:ext>
     </p:extLst>
   </p:cSld>
@@ -2470,7 +2470,7 @@
           <p:cNvPr id="2" name="标题 1">
             <a:extLst>
               <a:ext uri="{FF2B5EF4-FFF2-40B4-BE49-F238E27FC236}">
-                <a16:creationId xmlns:a16="http://schemas.microsoft.com/office/drawing/2014/main" id="{2B6792FD-1299-90C0-7F6E-4FB82D162131}"/>
+                <a16:creationId xmlns:a16="http://schemas.microsoft.com/office/drawing/2014/main" id="{A7BC2E05-3D92-9762-88AB-D1220E693AF2}"/>
               </a:ext>
             </a:extLst>
           </p:cNvPr>
@@ -2507,7 +2507,7 @@
           <p:cNvPr id="3" name="图片占位符 2">
             <a:extLst>
               <a:ext uri="{FF2B5EF4-FFF2-40B4-BE49-F238E27FC236}">
-                <a16:creationId xmlns:a16="http://schemas.microsoft.com/office/drawing/2014/main" id="{B0D0EF5D-F09D-974C-2779-4A9938F49044}"/>
+                <a16:creationId xmlns:a16="http://schemas.microsoft.com/office/drawing/2014/main" id="{078A9F16-3EC7-9CB9-49A3-BBDC89EC5375}"/>
               </a:ext>
             </a:extLst>
           </p:cNvPr>
@@ -2574,7 +2574,7 @@
           <p:cNvPr id="4" name="文本占位符 3">
             <a:extLst>
               <a:ext uri="{FF2B5EF4-FFF2-40B4-BE49-F238E27FC236}">
-                <a16:creationId xmlns:a16="http://schemas.microsoft.com/office/drawing/2014/main" id="{82F9F3BA-5190-4ED1-E7CD-BF4665A61781}"/>
+                <a16:creationId xmlns:a16="http://schemas.microsoft.com/office/drawing/2014/main" id="{A4D4DA69-E35E-C4C5-2144-16C8D420E76B}"/>
               </a:ext>
             </a:extLst>
           </p:cNvPr>
@@ -2645,7 +2645,7 @@
           <p:cNvPr id="5" name="日期占位符 4">
             <a:extLst>
               <a:ext uri="{FF2B5EF4-FFF2-40B4-BE49-F238E27FC236}">
-                <a16:creationId xmlns:a16="http://schemas.microsoft.com/office/drawing/2014/main" id="{FB44F88C-AD6C-47E5-C2D4-B94E7CC48856}"/>
+                <a16:creationId xmlns:a16="http://schemas.microsoft.com/office/drawing/2014/main" id="{1E89E866-2177-D96E-29E4-495084082373}"/>
               </a:ext>
             </a:extLst>
           </p:cNvPr>
@@ -2661,7 +2661,7 @@
           <a:bodyPr/>
           <a:lstStyle/>
           <a:p>
-            <a:fld id="{843D7A00-430C-47E8-BA67-F103A08470DF}" type="datetimeFigureOut">
+            <a:fld id="{4307805C-0BB4-424E-AB6D-D74637F45CD8}" type="datetimeFigureOut">
               <a:rPr lang="zh-CN" altLang="en-US" smtClean="0"/>
               <a:t>2024/3/10</a:t>
             </a:fld>
@@ -2674,7 +2674,7 @@
           <p:cNvPr id="6" name="页脚占位符 5">
             <a:extLst>
               <a:ext uri="{FF2B5EF4-FFF2-40B4-BE49-F238E27FC236}">
-                <a16:creationId xmlns:a16="http://schemas.microsoft.com/office/drawing/2014/main" id="{F1C98DC6-D091-C0C4-5508-8E44EB17B45B}"/>
+                <a16:creationId xmlns:a16="http://schemas.microsoft.com/office/drawing/2014/main" id="{D2442CA5-D233-1B74-B1DD-D126F9F7A63B}"/>
               </a:ext>
             </a:extLst>
           </p:cNvPr>
@@ -2699,7 +2699,7 @@
           <p:cNvPr id="7" name="灯片编号占位符 6">
             <a:extLst>
               <a:ext uri="{FF2B5EF4-FFF2-40B4-BE49-F238E27FC236}">
-                <a16:creationId xmlns:a16="http://schemas.microsoft.com/office/drawing/2014/main" id="{966FE89F-281B-10F1-109A-6CEA23010A69}"/>
+                <a16:creationId xmlns:a16="http://schemas.microsoft.com/office/drawing/2014/main" id="{A9C69E1C-B8E8-C19E-98A1-3F67D06F5B5A}"/>
               </a:ext>
             </a:extLst>
           </p:cNvPr>
@@ -2715,7 +2715,7 @@
           <a:bodyPr/>
           <a:lstStyle/>
           <a:p>
-            <a:fld id="{E8A2F6D6-C2D5-4571-8CFC-4C3E7BC1F16A}" type="slidenum">
+            <a:fld id="{5E45E407-5628-4204-B356-7BA0037B7E7A}" type="slidenum">
               <a:rPr lang="zh-CN" altLang="en-US" smtClean="0"/>
               <a:t>‹#›</a:t>
             </a:fld>
@@ -2726,7 +2726,7 @@
     </p:spTree>
     <p:extLst>
       <p:ext uri="{BB962C8B-B14F-4D97-AF65-F5344CB8AC3E}">
-        <p14:creationId xmlns:p14="http://schemas.microsoft.com/office/powerpoint/2010/main" val="2075035569"/>
+        <p14:creationId xmlns:p14="http://schemas.microsoft.com/office/powerpoint/2010/main" val="2647520312"/>
       </p:ext>
     </p:extLst>
   </p:cSld>
@@ -2763,7 +2763,7 @@
           <p:cNvPr id="2" name="标题占位符 1">
             <a:extLst>
               <a:ext uri="{FF2B5EF4-FFF2-40B4-BE49-F238E27FC236}">
-                <a16:creationId xmlns:a16="http://schemas.microsoft.com/office/drawing/2014/main" id="{07C500AC-6F6F-E15B-0F56-94DE1A117FDC}"/>
+                <a16:creationId xmlns:a16="http://schemas.microsoft.com/office/drawing/2014/main" id="{19B311C3-3E3C-9428-51AC-59D53C579142}"/>
               </a:ext>
             </a:extLst>
           </p:cNvPr>
@@ -2801,7 +2801,7 @@
           <p:cNvPr id="3" name="文本占位符 2">
             <a:extLst>
               <a:ext uri="{FF2B5EF4-FFF2-40B4-BE49-F238E27FC236}">
-                <a16:creationId xmlns:a16="http://schemas.microsoft.com/office/drawing/2014/main" id="{03F6278D-B22F-8E14-8B4A-29AF6F8AD1CA}"/>
+                <a16:creationId xmlns:a16="http://schemas.microsoft.com/office/drawing/2014/main" id="{A5B3FC76-EF15-1FAB-C583-DD43D900D4D0}"/>
               </a:ext>
             </a:extLst>
           </p:cNvPr>
@@ -2868,7 +2868,7 @@
           <p:cNvPr id="4" name="日期占位符 3">
             <a:extLst>
               <a:ext uri="{FF2B5EF4-FFF2-40B4-BE49-F238E27FC236}">
-                <a16:creationId xmlns:a16="http://schemas.microsoft.com/office/drawing/2014/main" id="{7627FCB1-4122-9AC0-042D-514EBC71F073}"/>
+                <a16:creationId xmlns:a16="http://schemas.microsoft.com/office/drawing/2014/main" id="{91A6770B-B2A8-D478-4E21-307F67785F54}"/>
               </a:ext>
             </a:extLst>
           </p:cNvPr>
@@ -2902,7 +2902,7 @@
             </a:lvl1pPr>
           </a:lstStyle>
           <a:p>
-            <a:fld id="{843D7A00-430C-47E8-BA67-F103A08470DF}" type="datetimeFigureOut">
+            <a:fld id="{4307805C-0BB4-424E-AB6D-D74637F45CD8}" type="datetimeFigureOut">
               <a:rPr lang="zh-CN" altLang="en-US" smtClean="0"/>
               <a:t>2024/3/10</a:t>
             </a:fld>
@@ -2915,7 +2915,7 @@
           <p:cNvPr id="5" name="页脚占位符 4">
             <a:extLst>
               <a:ext uri="{FF2B5EF4-FFF2-40B4-BE49-F238E27FC236}">
-                <a16:creationId xmlns:a16="http://schemas.microsoft.com/office/drawing/2014/main" id="{7645336B-9A94-1AAD-A6E8-8AD76B3B8C48}"/>
+                <a16:creationId xmlns:a16="http://schemas.microsoft.com/office/drawing/2014/main" id="{3FBF743A-9AF6-0328-0B82-4B934E4538CB}"/>
               </a:ext>
             </a:extLst>
           </p:cNvPr>
@@ -2958,7 +2958,7 @@
           <p:cNvPr id="6" name="灯片编号占位符 5">
             <a:extLst>
               <a:ext uri="{FF2B5EF4-FFF2-40B4-BE49-F238E27FC236}">
-                <a16:creationId xmlns:a16="http://schemas.microsoft.com/office/drawing/2014/main" id="{2810C446-E697-E965-7B11-8FCECD00F764}"/>
+                <a16:creationId xmlns:a16="http://schemas.microsoft.com/office/drawing/2014/main" id="{BCEEA16D-183C-9C1C-9CD6-D18ED179B3E8}"/>
               </a:ext>
             </a:extLst>
           </p:cNvPr>
@@ -2992,7 +2992,7 @@
             </a:lvl1pPr>
           </a:lstStyle>
           <a:p>
-            <a:fld id="{E8A2F6D6-C2D5-4571-8CFC-4C3E7BC1F16A}" type="slidenum">
+            <a:fld id="{5E45E407-5628-4204-B356-7BA0037B7E7A}" type="slidenum">
               <a:rPr lang="zh-CN" altLang="en-US" smtClean="0"/>
               <a:t>‹#›</a:t>
             </a:fld>
@@ -3003,7 +3003,7 @@
     </p:spTree>
     <p:extLst>
       <p:ext uri="{BB962C8B-B14F-4D97-AF65-F5344CB8AC3E}">
-        <p14:creationId xmlns:p14="http://schemas.microsoft.com/office/powerpoint/2010/main" val="2107526714"/>
+        <p14:creationId xmlns:p14="http://schemas.microsoft.com/office/powerpoint/2010/main" val="3531126429"/>
       </p:ext>
     </p:extLst>
   </p:cSld>
